--- a/Presentation/Swiss Travel Pass.pptx
+++ b/Presentation/Swiss Travel Pass.pptx
@@ -35,7 +35,7 @@
       <p:boldItalic r:id="rId15"/>
     </p:embeddedFont>
     <p:embeddedFont>
-      <p:font typeface="Montserrat" panose="020B0604020202020204" charset="0"/>
+      <p:font typeface="Montserrat" pitchFamily="2" charset="77"/>
       <p:regular r:id="rId16"/>
       <p:bold r:id="rId17"/>
       <p:italic r:id="rId18"/>
@@ -954,7 +954,7 @@
           <a:p>
             <a:fld id="{0150D316-07EC-4916-B58C-8B42D1070491}" type="datetimeFigureOut">
               <a:rPr lang="de-CH" smtClean="0"/>
-              <a:t>05.09.2020</a:t>
+              <a:t>06.09.20</a:t>
             </a:fld>
             <a:endParaRPr lang="de-CH"/>
           </a:p>
@@ -1164,7 +1164,7 @@
           <a:p>
             <a:fld id="{0150D316-07EC-4916-B58C-8B42D1070491}" type="datetimeFigureOut">
               <a:rPr lang="de-CH" smtClean="0"/>
-              <a:t>05.09.2020</a:t>
+              <a:t>06.09.20</a:t>
             </a:fld>
             <a:endParaRPr lang="de-CH"/>
           </a:p>
@@ -1384,7 +1384,7 @@
           <a:p>
             <a:fld id="{0150D316-07EC-4916-B58C-8B42D1070491}" type="datetimeFigureOut">
               <a:rPr lang="de-CH" smtClean="0"/>
-              <a:t>05.09.2020</a:t>
+              <a:t>06.09.20</a:t>
             </a:fld>
             <a:endParaRPr lang="de-CH"/>
           </a:p>
@@ -1515,7 +1515,7 @@
           <a:p>
             <a:fld id="{5973AF5E-BC41-4B33-88AC-A44513BB9146}" type="datetime1">
               <a:rPr lang="en-US" smtClean="0"/>
-              <a:t>9/5/2020</a:t>
+              <a:t>9/6/20</a:t>
             </a:fld>
             <a:endParaRPr lang="en-US"/>
           </a:p>
@@ -2550,7 +2550,7 @@
             <a:fld id="{B18EB926-CFE5-4E8F-B20D-C071E531FC2E}" type="datetimeFigureOut">
               <a:rPr lang="de-CH" smtClean="0"/>
               <a:pPr/>
-              <a:t>06.09.2020</a:t>
+              <a:t>06.09.20</a:t>
             </a:fld>
             <a:endParaRPr lang="en-US"/>
           </a:p>
@@ -3140,7 +3140,7 @@
           <a:p>
             <a:fld id="{0150D316-07EC-4916-B58C-8B42D1070491}" type="datetimeFigureOut">
               <a:rPr lang="de-CH" smtClean="0"/>
-              <a:t>05.09.2020</a:t>
+              <a:t>06.09.20</a:t>
             </a:fld>
             <a:endParaRPr lang="de-CH"/>
           </a:p>
@@ -3426,7 +3426,7 @@
           <a:p>
             <a:fld id="{0150D316-07EC-4916-B58C-8B42D1070491}" type="datetimeFigureOut">
               <a:rPr lang="de-CH" smtClean="0"/>
-              <a:t>05.09.2020</a:t>
+              <a:t>06.09.20</a:t>
             </a:fld>
             <a:endParaRPr lang="de-CH"/>
           </a:p>
@@ -3704,7 +3704,7 @@
           <a:p>
             <a:fld id="{0150D316-07EC-4916-B58C-8B42D1070491}" type="datetimeFigureOut">
               <a:rPr lang="de-CH" smtClean="0"/>
-              <a:t>05.09.2020</a:t>
+              <a:t>06.09.20</a:t>
             </a:fld>
             <a:endParaRPr lang="de-CH"/>
           </a:p>
@@ -4129,7 +4129,7 @@
           <a:p>
             <a:fld id="{0150D316-07EC-4916-B58C-8B42D1070491}" type="datetimeFigureOut">
               <a:rPr lang="de-CH" smtClean="0"/>
-              <a:t>05.09.2020</a:t>
+              <a:t>06.09.20</a:t>
             </a:fld>
             <a:endParaRPr lang="de-CH"/>
           </a:p>
@@ -4281,7 +4281,7 @@
           <a:p>
             <a:fld id="{0150D316-07EC-4916-B58C-8B42D1070491}" type="datetimeFigureOut">
               <a:rPr lang="de-CH" smtClean="0"/>
-              <a:t>05.09.2020</a:t>
+              <a:t>06.09.20</a:t>
             </a:fld>
             <a:endParaRPr lang="de-CH"/>
           </a:p>
@@ -4404,7 +4404,7 @@
           <a:p>
             <a:fld id="{0150D316-07EC-4916-B58C-8B42D1070491}" type="datetimeFigureOut">
               <a:rPr lang="de-CH" smtClean="0"/>
-              <a:t>05.09.2020</a:t>
+              <a:t>06.09.20</a:t>
             </a:fld>
             <a:endParaRPr lang="de-CH"/>
           </a:p>
@@ -4727,7 +4727,7 @@
           <a:p>
             <a:fld id="{0150D316-07EC-4916-B58C-8B42D1070491}" type="datetimeFigureOut">
               <a:rPr lang="de-CH" smtClean="0"/>
-              <a:t>05.09.2020</a:t>
+              <a:t>06.09.20</a:t>
             </a:fld>
             <a:endParaRPr lang="de-CH"/>
           </a:p>
@@ -5026,7 +5026,7 @@
           <a:p>
             <a:fld id="{0150D316-07EC-4916-B58C-8B42D1070491}" type="datetimeFigureOut">
               <a:rPr lang="de-CH" smtClean="0"/>
-              <a:t>05.09.2020</a:t>
+              <a:t>06.09.20</a:t>
             </a:fld>
             <a:endParaRPr lang="de-CH"/>
           </a:p>
@@ -5279,7 +5279,7 @@
           <a:p>
             <a:fld id="{0150D316-07EC-4916-B58C-8B42D1070491}" type="datetimeFigureOut">
               <a:rPr lang="de-CH" smtClean="0"/>
-              <a:t>05.09.2020</a:t>
+              <a:t>06.09.20</a:t>
             </a:fld>
             <a:endParaRPr lang="de-CH"/>
           </a:p>
@@ -5745,7 +5745,7 @@
         </p:nvSpPr>
         <p:spPr>
           <a:xfrm rot="-1925413">
-            <a:off x="-1098430" y="-576489"/>
+            <a:off x="-1352869" y="-576489"/>
             <a:ext cx="6228660" cy="6104227"/>
           </a:xfrm>
           <a:prstGeom prst="rect">
